--- a/figures/Figures2.pptx
+++ b/figures/Figures2.pptx
@@ -243,7 +243,7 @@
           <a:p>
             <a:fld id="{E1E0E7C0-913F-DD43-9BB8-9736EE70D747}" type="datetimeFigureOut">
               <a:rPr lang="en-US" smtClean="0"/>
-              <a:t>6/10/25</a:t>
+              <a:t>6/13/25</a:t>
             </a:fld>
             <a:endParaRPr lang="en-US"/>
           </a:p>
@@ -413,7 +413,7 @@
           <a:p>
             <a:fld id="{E1E0E7C0-913F-DD43-9BB8-9736EE70D747}" type="datetimeFigureOut">
               <a:rPr lang="en-US" smtClean="0"/>
-              <a:t>6/10/25</a:t>
+              <a:t>6/13/25</a:t>
             </a:fld>
             <a:endParaRPr lang="en-US"/>
           </a:p>
@@ -593,7 +593,7 @@
           <a:p>
             <a:fld id="{E1E0E7C0-913F-DD43-9BB8-9736EE70D747}" type="datetimeFigureOut">
               <a:rPr lang="en-US" smtClean="0"/>
-              <a:t>6/10/25</a:t>
+              <a:t>6/13/25</a:t>
             </a:fld>
             <a:endParaRPr lang="en-US"/>
           </a:p>
@@ -763,7 +763,7 @@
           <a:p>
             <a:fld id="{E1E0E7C0-913F-DD43-9BB8-9736EE70D747}" type="datetimeFigureOut">
               <a:rPr lang="en-US" smtClean="0"/>
-              <a:t>6/10/25</a:t>
+              <a:t>6/13/25</a:t>
             </a:fld>
             <a:endParaRPr lang="en-US"/>
           </a:p>
@@ -1009,7 +1009,7 @@
           <a:p>
             <a:fld id="{E1E0E7C0-913F-DD43-9BB8-9736EE70D747}" type="datetimeFigureOut">
               <a:rPr lang="en-US" smtClean="0"/>
-              <a:t>6/10/25</a:t>
+              <a:t>6/13/25</a:t>
             </a:fld>
             <a:endParaRPr lang="en-US"/>
           </a:p>
@@ -1241,7 +1241,7 @@
           <a:p>
             <a:fld id="{E1E0E7C0-913F-DD43-9BB8-9736EE70D747}" type="datetimeFigureOut">
               <a:rPr lang="en-US" smtClean="0"/>
-              <a:t>6/10/25</a:t>
+              <a:t>6/13/25</a:t>
             </a:fld>
             <a:endParaRPr lang="en-US"/>
           </a:p>
@@ -1608,7 +1608,7 @@
           <a:p>
             <a:fld id="{E1E0E7C0-913F-DD43-9BB8-9736EE70D747}" type="datetimeFigureOut">
               <a:rPr lang="en-US" smtClean="0"/>
-              <a:t>6/10/25</a:t>
+              <a:t>6/13/25</a:t>
             </a:fld>
             <a:endParaRPr lang="en-US"/>
           </a:p>
@@ -1726,7 +1726,7 @@
           <a:p>
             <a:fld id="{E1E0E7C0-913F-DD43-9BB8-9736EE70D747}" type="datetimeFigureOut">
               <a:rPr lang="en-US" smtClean="0"/>
-              <a:t>6/10/25</a:t>
+              <a:t>6/13/25</a:t>
             </a:fld>
             <a:endParaRPr lang="en-US"/>
           </a:p>
@@ -1821,7 +1821,7 @@
           <a:p>
             <a:fld id="{E1E0E7C0-913F-DD43-9BB8-9736EE70D747}" type="datetimeFigureOut">
               <a:rPr lang="en-US" smtClean="0"/>
-              <a:t>6/10/25</a:t>
+              <a:t>6/13/25</a:t>
             </a:fld>
             <a:endParaRPr lang="en-US"/>
           </a:p>
@@ -2098,7 +2098,7 @@
           <a:p>
             <a:fld id="{E1E0E7C0-913F-DD43-9BB8-9736EE70D747}" type="datetimeFigureOut">
               <a:rPr lang="en-US" smtClean="0"/>
-              <a:t>6/10/25</a:t>
+              <a:t>6/13/25</a:t>
             </a:fld>
             <a:endParaRPr lang="en-US"/>
           </a:p>
@@ -2355,7 +2355,7 @@
           <a:p>
             <a:fld id="{E1E0E7C0-913F-DD43-9BB8-9736EE70D747}" type="datetimeFigureOut">
               <a:rPr lang="en-US" smtClean="0"/>
-              <a:t>6/10/25</a:t>
+              <a:t>6/13/25</a:t>
             </a:fld>
             <a:endParaRPr lang="en-US"/>
           </a:p>
@@ -2568,7 +2568,7 @@
           <a:p>
             <a:fld id="{E1E0E7C0-913F-DD43-9BB8-9736EE70D747}" type="datetimeFigureOut">
               <a:rPr lang="en-US" smtClean="0"/>
-              <a:t>6/10/25</a:t>
+              <a:t>6/13/25</a:t>
             </a:fld>
             <a:endParaRPr lang="en-US"/>
           </a:p>
@@ -2975,10 +2975,10 @@
       </p:grpSpPr>
       <p:pic>
         <p:nvPicPr>
-          <p:cNvPr id="9" name="Picture 8" descr="A group of graphs showing different types of growth&#10;&#10;AI-generated content may be incorrect.">
+          <p:cNvPr id="11" name="Picture 10" descr="A graph with blue dots&#10;&#10;AI-generated content may be incorrect.">
             <a:extLst>
               <a:ext uri="{FF2B5EF4-FFF2-40B4-BE49-F238E27FC236}">
-                <a16:creationId xmlns:a16="http://schemas.microsoft.com/office/drawing/2014/main" id="{A96DDE1E-39DC-BF9F-99A4-97FF6ED52135}"/>
+                <a16:creationId xmlns:a16="http://schemas.microsoft.com/office/drawing/2014/main" id="{B9CC7162-7DAC-8228-65CA-033EF98BAFB2}"/>
               </a:ext>
             </a:extLst>
           </p:cNvPr>
@@ -2995,36 +2995,6 @@
         </p:blipFill>
         <p:spPr>
           <a:xfrm>
-            <a:off x="0" y="0"/>
-            <a:ext cx="7141388" cy="6858000"/>
-          </a:xfrm>
-          <a:prstGeom prst="rect">
-            <a:avLst/>
-          </a:prstGeom>
-        </p:spPr>
-      </p:pic>
-      <p:pic>
-        <p:nvPicPr>
-          <p:cNvPr id="11" name="Picture 10" descr="A graph with blue dots&#10;&#10;AI-generated content may be incorrect.">
-            <a:extLst>
-              <a:ext uri="{FF2B5EF4-FFF2-40B4-BE49-F238E27FC236}">
-                <a16:creationId xmlns:a16="http://schemas.microsoft.com/office/drawing/2014/main" id="{B9CC7162-7DAC-8228-65CA-033EF98BAFB2}"/>
-              </a:ext>
-            </a:extLst>
-          </p:cNvPr>
-          <p:cNvPicPr>
-            <a:picLocks noChangeAspect="1"/>
-          </p:cNvPicPr>
-          <p:nvPr/>
-        </p:nvPicPr>
-        <p:blipFill>
-          <a:blip r:embed="rId3"/>
-          <a:stretch>
-            <a:fillRect/>
-          </a:stretch>
-        </p:blipFill>
-        <p:spPr>
-          <a:xfrm>
             <a:off x="7141388" y="3429000"/>
             <a:ext cx="5654418" cy="3266090"/>
           </a:xfrm>
@@ -3068,6 +3038,301 @@
           </a:p>
         </p:txBody>
       </p:sp>
+      <mc:AlternateContent xmlns:mc="http://schemas.openxmlformats.org/markup-compatibility/2006">
+        <mc:Choice xmlns:a14="http://schemas.microsoft.com/office/drawing/2010/main" Requires="a14">
+          <p:sp>
+            <p:nvSpPr>
+              <p:cNvPr id="3" name="TextBox 2">
+                <a:extLst>
+                  <a:ext uri="{FF2B5EF4-FFF2-40B4-BE49-F238E27FC236}">
+                    <a16:creationId xmlns:a16="http://schemas.microsoft.com/office/drawing/2014/main" id="{57E58458-9164-3E68-CFA6-1A1CFAAB2700}"/>
+                  </a:ext>
+                </a:extLst>
+              </p:cNvPr>
+              <p:cNvSpPr txBox="1"/>
+              <p:nvPr/>
+            </p:nvSpPr>
+            <p:spPr>
+              <a:xfrm>
+                <a:off x="7476233" y="1038546"/>
+                <a:ext cx="4984728" cy="1351909"/>
+              </a:xfrm>
+              <a:prstGeom prst="rect">
+                <a:avLst/>
+              </a:prstGeom>
+              <a:noFill/>
+            </p:spPr>
+            <p:txBody>
+              <a:bodyPr wrap="square" lIns="0" tIns="0" rIns="0" bIns="0" rtlCol="0">
+                <a:spAutoFit/>
+              </a:bodyPr>
+              <a:lstStyle/>
+              <a:p>
+                <a14:m>
+                  <m:oMath xmlns:m="http://schemas.openxmlformats.org/officeDocument/2006/math">
+                    <m:f>
+                      <m:fPr>
+                        <m:ctrlPr>
+                          <a:rPr lang="en-US" i="1" smtClean="0">
+                            <a:solidFill>
+                              <a:schemeClr val="accent6"/>
+                            </a:solidFill>
+                            <a:latin typeface="Cambria Math" panose="02040503050406030204" pitchFamily="18" charset="0"/>
+                          </a:rPr>
+                        </m:ctrlPr>
+                      </m:fPr>
+                      <m:num>
+                        <m:r>
+                          <a:rPr lang="en-US" i="1">
+                            <a:solidFill>
+                              <a:schemeClr val="accent6"/>
+                            </a:solidFill>
+                            <a:latin typeface="Cambria Math" panose="02040503050406030204" pitchFamily="18" charset="0"/>
+                          </a:rPr>
+                          <m:t>𝑑𝑃</m:t>
+                        </m:r>
+                      </m:num>
+                      <m:den>
+                        <m:r>
+                          <a:rPr lang="en-US" i="1">
+                            <a:solidFill>
+                              <a:schemeClr val="accent6"/>
+                            </a:solidFill>
+                            <a:latin typeface="Cambria Math" panose="02040503050406030204" pitchFamily="18" charset="0"/>
+                          </a:rPr>
+                          <m:t>𝑑𝑡</m:t>
+                        </m:r>
+                      </m:den>
+                    </m:f>
+                    <m:r>
+                      <a:rPr lang="en-US" i="1">
+                        <a:solidFill>
+                          <a:schemeClr val="accent6"/>
+                        </a:solidFill>
+                        <a:latin typeface="Cambria Math" panose="02040503050406030204" pitchFamily="18" charset="0"/>
+                      </a:rPr>
+                      <m:t>=</m:t>
+                    </m:r>
+                    <m:r>
+                      <a:rPr lang="en-US" b="0" i="1" smtClean="0">
+                        <a:solidFill>
+                          <a:schemeClr val="accent6"/>
+                        </a:solidFill>
+                        <a:latin typeface="Cambria Math" panose="02040503050406030204" pitchFamily="18" charset="0"/>
+                      </a:rPr>
+                      <m:t>𝜇</m:t>
+                    </m:r>
+                    <m:r>
+                      <a:rPr lang="en-US" i="1">
+                        <a:solidFill>
+                          <a:schemeClr val="accent6"/>
+                        </a:solidFill>
+                        <a:latin typeface="Cambria Math" panose="02040503050406030204" pitchFamily="18" charset="0"/>
+                      </a:rPr>
+                      <m:t>𝑃</m:t>
+                    </m:r>
+                    <m:r>
+                      <a:rPr lang="en-US" b="0" i="0" smtClean="0">
+                        <a:solidFill>
+                          <a:schemeClr val="accent6"/>
+                        </a:solidFill>
+                        <a:latin typeface="Cambria Math" panose="02040503050406030204" pitchFamily="18" charset="0"/>
+                      </a:rPr>
+                      <m:t> </m:t>
+                    </m:r>
+                  </m:oMath>
+                </a14:m>
+                <a:r>
+                  <a:rPr lang="en-US" b="0" i="0" dirty="0">
+                    <a:latin typeface="Cambria Math" panose="02040503050406030204" pitchFamily="18" charset="0"/>
+                  </a:rPr>
+                  <a:t>(ODE model with only microbial growth)</a:t>
+                </a:r>
+              </a:p>
+              <a:p>
+                <a:endParaRPr lang="en-US" b="0" i="0" dirty="0">
+                  <a:latin typeface="Cambria Math" panose="02040503050406030204" pitchFamily="18" charset="0"/>
+                </a:endParaRPr>
+              </a:p>
+              <a:p>
+                <a14:m>
+                  <m:oMath xmlns:m="http://schemas.openxmlformats.org/officeDocument/2006/math">
+                    <m:f>
+                      <m:fPr>
+                        <m:ctrlPr>
+                          <a:rPr lang="en-US" i="1" smtClean="0">
+                            <a:solidFill>
+                              <a:srgbClr val="FF0000"/>
+                            </a:solidFill>
+                            <a:latin typeface="Cambria Math" panose="02040503050406030204" pitchFamily="18" charset="0"/>
+                          </a:rPr>
+                        </m:ctrlPr>
+                      </m:fPr>
+                      <m:num>
+                        <m:r>
+                          <a:rPr lang="en-US" i="1">
+                            <a:solidFill>
+                              <a:srgbClr val="FF0000"/>
+                            </a:solidFill>
+                            <a:latin typeface="Cambria Math" panose="02040503050406030204" pitchFamily="18" charset="0"/>
+                          </a:rPr>
+                          <m:t>𝑑𝑃</m:t>
+                        </m:r>
+                      </m:num>
+                      <m:den>
+                        <m:r>
+                          <a:rPr lang="en-US" i="1">
+                            <a:solidFill>
+                              <a:srgbClr val="FF0000"/>
+                            </a:solidFill>
+                            <a:latin typeface="Cambria Math" panose="02040503050406030204" pitchFamily="18" charset="0"/>
+                          </a:rPr>
+                          <m:t>𝑑𝑡</m:t>
+                        </m:r>
+                      </m:den>
+                    </m:f>
+                    <m:r>
+                      <a:rPr lang="en-US" i="1">
+                        <a:solidFill>
+                          <a:srgbClr val="FF0000"/>
+                        </a:solidFill>
+                        <a:latin typeface="Cambria Math" panose="02040503050406030204" pitchFamily="18" charset="0"/>
+                      </a:rPr>
+                      <m:t>=</m:t>
+                    </m:r>
+                    <m:r>
+                      <a:rPr lang="en-US" b="0" i="1" smtClean="0">
+                        <a:solidFill>
+                          <a:srgbClr val="FF0000"/>
+                        </a:solidFill>
+                        <a:latin typeface="Cambria Math" panose="02040503050406030204" pitchFamily="18" charset="0"/>
+                      </a:rPr>
+                      <m:t>𝜇</m:t>
+                    </m:r>
+                    <m:r>
+                      <a:rPr lang="en-US" i="1">
+                        <a:solidFill>
+                          <a:srgbClr val="FF0000"/>
+                        </a:solidFill>
+                        <a:latin typeface="Cambria Math" panose="02040503050406030204" pitchFamily="18" charset="0"/>
+                      </a:rPr>
+                      <m:t>𝑃</m:t>
+                    </m:r>
+                    <m:r>
+                      <a:rPr lang="en-US" b="0" i="1" smtClean="0">
+                        <a:solidFill>
+                          <a:srgbClr val="FF0000"/>
+                        </a:solidFill>
+                        <a:latin typeface="Cambria Math" panose="02040503050406030204" pitchFamily="18" charset="0"/>
+                      </a:rPr>
+                      <m:t>−</m:t>
+                    </m:r>
+                    <m:r>
+                      <a:rPr lang="en-US" b="0" i="1" smtClean="0">
+                        <a:solidFill>
+                          <a:srgbClr val="FF0000"/>
+                        </a:solidFill>
+                        <a:latin typeface="Cambria Math" panose="02040503050406030204" pitchFamily="18" charset="0"/>
+                      </a:rPr>
+                      <m:t>𝛿</m:t>
+                    </m:r>
+                    <m:r>
+                      <a:rPr lang="en-US" b="0" i="1" smtClean="0">
+                        <a:solidFill>
+                          <a:srgbClr val="FF0000"/>
+                        </a:solidFill>
+                        <a:latin typeface="Cambria Math" panose="02040503050406030204" pitchFamily="18" charset="0"/>
+                      </a:rPr>
+                      <m:t>𝑃</m:t>
+                    </m:r>
+                  </m:oMath>
+                </a14:m>
+                <a:r>
+                  <a:rPr lang="en-US" dirty="0"/>
+                  <a:t> (ODE model with growth and death)</a:t>
+                </a:r>
+              </a:p>
+              <a:p>
+                <a:endParaRPr lang="en-US" dirty="0"/>
+              </a:p>
+            </p:txBody>
+          </p:sp>
+        </mc:Choice>
+        <mc:Fallback>
+          <p:sp>
+            <p:nvSpPr>
+              <p:cNvPr id="3" name="TextBox 2">
+                <a:extLst>
+                  <a:ext uri="{FF2B5EF4-FFF2-40B4-BE49-F238E27FC236}">
+                    <a16:creationId xmlns:a16="http://schemas.microsoft.com/office/drawing/2014/main" id="{57E58458-9164-3E68-CFA6-1A1CFAAB2700}"/>
+                  </a:ext>
+                </a:extLst>
+              </p:cNvPr>
+              <p:cNvSpPr txBox="1">
+                <a:spLocks noRot="1" noChangeAspect="1" noMove="1" noResize="1" noEditPoints="1" noAdjustHandles="1" noChangeArrowheads="1" noChangeShapeType="1" noTextEdit="1"/>
+              </p:cNvSpPr>
+              <p:nvPr/>
+            </p:nvSpPr>
+            <p:spPr>
+              <a:xfrm>
+                <a:off x="7476233" y="1038546"/>
+                <a:ext cx="4984728" cy="1351909"/>
+              </a:xfrm>
+              <a:prstGeom prst="rect">
+                <a:avLst/>
+              </a:prstGeom>
+              <a:blipFill>
+                <a:blip r:embed="rId3"/>
+                <a:stretch>
+                  <a:fillRect l="-1015" r="-254"/>
+                </a:stretch>
+              </a:blipFill>
+            </p:spPr>
+            <p:txBody>
+              <a:bodyPr/>
+              <a:lstStyle/>
+              <a:p>
+                <a:r>
+                  <a:rPr lang="en-US">
+                    <a:noFill/>
+                  </a:rPr>
+                  <a:t> </a:t>
+                </a:r>
+              </a:p>
+            </p:txBody>
+          </p:sp>
+        </mc:Fallback>
+      </mc:AlternateContent>
+      <p:pic>
+        <p:nvPicPr>
+          <p:cNvPr id="6" name="Picture 5" descr="A group of graphs with numbers and lines&#10;&#10;AI-generated content may be incorrect.">
+            <a:extLst>
+              <a:ext uri="{FF2B5EF4-FFF2-40B4-BE49-F238E27FC236}">
+                <a16:creationId xmlns:a16="http://schemas.microsoft.com/office/drawing/2014/main" id="{AE1A9B6C-7649-BFF5-0419-16D7231E2A95}"/>
+              </a:ext>
+            </a:extLst>
+          </p:cNvPr>
+          <p:cNvPicPr>
+            <a:picLocks noChangeAspect="1"/>
+          </p:cNvPicPr>
+          <p:nvPr/>
+        </p:nvPicPr>
+        <p:blipFill>
+          <a:blip r:embed="rId4"/>
+          <a:stretch>
+            <a:fillRect/>
+          </a:stretch>
+        </p:blipFill>
+        <p:spPr>
+          <a:xfrm>
+            <a:off x="-213222" y="0"/>
+            <a:ext cx="7141388" cy="6858000"/>
+          </a:xfrm>
+          <a:prstGeom prst="rect">
+            <a:avLst/>
+          </a:prstGeom>
+        </p:spPr>
+      </p:pic>
     </p:spTree>
     <p:extLst>
       <p:ext uri="{BB962C8B-B14F-4D97-AF65-F5344CB8AC3E}">
